--- a/Tables_Figures/PandB/Supp_Figs.pptx
+++ b/Tables_Figures/PandB/Supp_Figs.pptx
@@ -288,7 +288,7 @@
           <a:p>
             <a:fld id="{B61D52FB-43E6-A146-B8C7-D6C3A6039DE8}" type="datetimeFigureOut">
               <a:rPr lang="en-US" smtClean="0"/>
-              <a:t>6/24/14</a:t>
+              <a:t>8/6/14</a:t>
             </a:fld>
             <a:endParaRPr lang="en-US"/>
           </a:p>
@@ -458,7 +458,7 @@
           <a:p>
             <a:fld id="{B61D52FB-43E6-A146-B8C7-D6C3A6039DE8}" type="datetimeFigureOut">
               <a:rPr lang="en-US" smtClean="0"/>
-              <a:t>6/24/14</a:t>
+              <a:t>8/6/14</a:t>
             </a:fld>
             <a:endParaRPr lang="en-US"/>
           </a:p>
@@ -638,7 +638,7 @@
           <a:p>
             <a:fld id="{B61D52FB-43E6-A146-B8C7-D6C3A6039DE8}" type="datetimeFigureOut">
               <a:rPr lang="en-US" smtClean="0"/>
-              <a:t>6/24/14</a:t>
+              <a:t>8/6/14</a:t>
             </a:fld>
             <a:endParaRPr lang="en-US"/>
           </a:p>
@@ -808,7 +808,7 @@
           <a:p>
             <a:fld id="{B61D52FB-43E6-A146-B8C7-D6C3A6039DE8}" type="datetimeFigureOut">
               <a:rPr lang="en-US" smtClean="0"/>
-              <a:t>6/24/14</a:t>
+              <a:t>8/6/14</a:t>
             </a:fld>
             <a:endParaRPr lang="en-US"/>
           </a:p>
@@ -1054,7 +1054,7 @@
           <a:p>
             <a:fld id="{B61D52FB-43E6-A146-B8C7-D6C3A6039DE8}" type="datetimeFigureOut">
               <a:rPr lang="en-US" smtClean="0"/>
-              <a:t>6/24/14</a:t>
+              <a:t>8/6/14</a:t>
             </a:fld>
             <a:endParaRPr lang="en-US"/>
           </a:p>
@@ -1342,7 +1342,7 @@
           <a:p>
             <a:fld id="{B61D52FB-43E6-A146-B8C7-D6C3A6039DE8}" type="datetimeFigureOut">
               <a:rPr lang="en-US" smtClean="0"/>
-              <a:t>6/24/14</a:t>
+              <a:t>8/6/14</a:t>
             </a:fld>
             <a:endParaRPr lang="en-US"/>
           </a:p>
@@ -1764,7 +1764,7 @@
           <a:p>
             <a:fld id="{B61D52FB-43E6-A146-B8C7-D6C3A6039DE8}" type="datetimeFigureOut">
               <a:rPr lang="en-US" smtClean="0"/>
-              <a:t>6/24/14</a:t>
+              <a:t>8/6/14</a:t>
             </a:fld>
             <a:endParaRPr lang="en-US"/>
           </a:p>
@@ -1882,7 +1882,7 @@
           <a:p>
             <a:fld id="{B61D52FB-43E6-A146-B8C7-D6C3A6039DE8}" type="datetimeFigureOut">
               <a:rPr lang="en-US" smtClean="0"/>
-              <a:t>6/24/14</a:t>
+              <a:t>8/6/14</a:t>
             </a:fld>
             <a:endParaRPr lang="en-US"/>
           </a:p>
@@ -1977,7 +1977,7 @@
           <a:p>
             <a:fld id="{B61D52FB-43E6-A146-B8C7-D6C3A6039DE8}" type="datetimeFigureOut">
               <a:rPr lang="en-US" smtClean="0"/>
-              <a:t>6/24/14</a:t>
+              <a:t>8/6/14</a:t>
             </a:fld>
             <a:endParaRPr lang="en-US"/>
           </a:p>
@@ -2254,7 +2254,7 @@
           <a:p>
             <a:fld id="{B61D52FB-43E6-A146-B8C7-D6C3A6039DE8}" type="datetimeFigureOut">
               <a:rPr lang="en-US" smtClean="0"/>
-              <a:t>6/24/14</a:t>
+              <a:t>8/6/14</a:t>
             </a:fld>
             <a:endParaRPr lang="en-US"/>
           </a:p>
@@ -2507,7 +2507,7 @@
           <a:p>
             <a:fld id="{B61D52FB-43E6-A146-B8C7-D6C3A6039DE8}" type="datetimeFigureOut">
               <a:rPr lang="en-US" smtClean="0"/>
-              <a:t>6/24/14</a:t>
+              <a:t>8/6/14</a:t>
             </a:fld>
             <a:endParaRPr lang="en-US"/>
           </a:p>
@@ -2720,7 +2720,7 @@
           <a:p>
             <a:fld id="{B61D52FB-43E6-A146-B8C7-D6C3A6039DE8}" type="datetimeFigureOut">
               <a:rPr lang="en-US" smtClean="0"/>
-              <a:t>6/24/14</a:t>
+              <a:t>8/6/14</a:t>
             </a:fld>
             <a:endParaRPr lang="en-US"/>
           </a:p>
@@ -3097,28 +3097,28 @@
       </p:grpSpPr>
       <p:grpSp>
         <p:nvGrpSpPr>
-          <p:cNvPr id="10" name="Group 9"/>
+          <p:cNvPr id="21" name="Group 20"/>
           <p:cNvGrpSpPr/>
           <p:nvPr/>
         </p:nvGrpSpPr>
         <p:grpSpPr>
           <a:xfrm>
-            <a:off x="-265792" y="1004240"/>
-            <a:ext cx="12064025" cy="4858750"/>
-            <a:chOff x="-265792" y="1004240"/>
-            <a:chExt cx="12064025" cy="4858750"/>
+            <a:off x="-260110" y="1009767"/>
+            <a:ext cx="12378157" cy="4987636"/>
+            <a:chOff x="-260110" y="1009767"/>
+            <a:chExt cx="12378157" cy="4987636"/>
           </a:xfrm>
         </p:grpSpPr>
         <p:sp>
           <p:nvSpPr>
-            <p:cNvPr id="9" name="Rectangle 8"/>
+            <p:cNvPr id="20" name="Rectangle 19"/>
             <p:cNvSpPr/>
             <p:nvPr/>
           </p:nvSpPr>
           <p:spPr>
             <a:xfrm>
-              <a:off x="-265792" y="1004240"/>
-              <a:ext cx="12064025" cy="4858750"/>
+              <a:off x="-260110" y="1009767"/>
+              <a:ext cx="12378157" cy="4987636"/>
             </a:xfrm>
             <a:prstGeom prst="rect">
               <a:avLst/>
@@ -3156,16 +3156,16 @@
         </p:sp>
         <p:grpSp>
           <p:nvGrpSpPr>
-            <p:cNvPr id="8" name="Group 7"/>
+            <p:cNvPr id="19" name="Group 18"/>
             <p:cNvGrpSpPr/>
             <p:nvPr/>
           </p:nvGrpSpPr>
           <p:grpSpPr>
             <a:xfrm>
               <a:off x="-132894" y="1143000"/>
-              <a:ext cx="11827180" cy="4572000"/>
+              <a:ext cx="12099388" cy="4720989"/>
               <a:chOff x="-132894" y="1143000"/>
-              <a:chExt cx="11827180" cy="4572000"/>
+              <a:chExt cx="12099388" cy="4720989"/>
             </a:xfrm>
           </p:grpSpPr>
           <p:pic>
@@ -3176,7 +3176,7 @@
               </p:cNvPicPr>
               <p:nvPr/>
             </p:nvPicPr>
-            <p:blipFill>
+            <p:blipFill rotWithShape="1">
               <a:blip r:embed="rId2">
                 <a:extLst>
                   <a:ext uri="{28A0092B-C50C-407E-A947-70E740481C1C}">
@@ -3184,14 +3184,13 @@
                   </a:ext>
                 </a:extLst>
               </a:blip>
-              <a:stretch>
-                <a:fillRect/>
-              </a:stretch>
+              <a:srcRect l="10971"/>
+              <a:stretch/>
             </p:blipFill>
             <p:spPr>
               <a:xfrm>
-                <a:off x="5293486" y="1143000"/>
-                <a:ext cx="6400800" cy="4572000"/>
+                <a:off x="6267906" y="1143000"/>
+                <a:ext cx="5698588" cy="4572000"/>
               </a:xfrm>
               <a:prstGeom prst="rect">
                 <a:avLst/>
@@ -3236,7 +3235,7 @@
             </p:nvSpPr>
             <p:spPr>
               <a:xfrm>
-                <a:off x="7605178" y="5140389"/>
+                <a:off x="7878053" y="5140389"/>
                 <a:ext cx="1968036" cy="369332"/>
               </a:xfrm>
               <a:prstGeom prst="rect">
@@ -3322,7 +3321,7 @@
             </p:nvSpPr>
             <p:spPr>
               <a:xfrm>
-                <a:off x="6065974" y="1505501"/>
+                <a:off x="6326091" y="1505501"/>
                 <a:ext cx="453820" cy="369332"/>
               </a:xfrm>
               <a:prstGeom prst="rect">
@@ -3358,7 +3357,7 @@
             </p:nvSpPr>
             <p:spPr>
               <a:xfrm>
-                <a:off x="2003914" y="5148160"/>
+                <a:off x="2010579" y="5148160"/>
                 <a:ext cx="2465318" cy="369332"/>
               </a:xfrm>
               <a:prstGeom prst="rect">
@@ -3436,6 +3435,248 @@
               </a:p>
             </p:txBody>
           </p:sp>
+          <p:sp>
+            <p:nvSpPr>
+              <p:cNvPr id="13" name="TextBox 12"/>
+              <p:cNvSpPr txBox="1"/>
+              <p:nvPr/>
+            </p:nvSpPr>
+            <p:spPr>
+              <a:xfrm>
+                <a:off x="573970" y="5509413"/>
+                <a:ext cx="1330919" cy="276999"/>
+              </a:xfrm>
+              <a:prstGeom prst="rect">
+                <a:avLst/>
+              </a:prstGeom>
+              <a:noFill/>
+            </p:spPr>
+            <p:txBody>
+              <a:bodyPr wrap="none" rtlCol="0">
+                <a:spAutoFit/>
+              </a:bodyPr>
+              <a:lstStyle/>
+              <a:p>
+                <a:r>
+                  <a:rPr lang="en-US" sz="1200" dirty="0" smtClean="0">
+                    <a:latin typeface="Times"/>
+                    <a:cs typeface="Times"/>
+                  </a:rPr>
+                  <a:t>Low Detectability</a:t>
+                </a:r>
+                <a:endParaRPr lang="en-US" sz="1200" i="1" dirty="0">
+                  <a:latin typeface="Times"/>
+                  <a:cs typeface="Times"/>
+                </a:endParaRPr>
+              </a:p>
+            </p:txBody>
+          </p:sp>
+          <p:sp>
+            <p:nvSpPr>
+              <p:cNvPr id="14" name="TextBox 13"/>
+              <p:cNvSpPr txBox="1"/>
+              <p:nvPr/>
+            </p:nvSpPr>
+            <p:spPr>
+              <a:xfrm>
+                <a:off x="4642792" y="5509413"/>
+                <a:ext cx="1356618" cy="276999"/>
+              </a:xfrm>
+              <a:prstGeom prst="rect">
+                <a:avLst/>
+              </a:prstGeom>
+              <a:noFill/>
+            </p:spPr>
+            <p:txBody>
+              <a:bodyPr wrap="none" rtlCol="0">
+                <a:spAutoFit/>
+              </a:bodyPr>
+              <a:lstStyle/>
+              <a:p>
+                <a:r>
+                  <a:rPr lang="en-US" sz="1200" dirty="0" smtClean="0">
+                    <a:latin typeface="Times"/>
+                    <a:cs typeface="Times"/>
+                  </a:rPr>
+                  <a:t>High Detectability</a:t>
+                </a:r>
+                <a:endParaRPr lang="en-US" sz="1200" i="1" dirty="0">
+                  <a:latin typeface="Times"/>
+                  <a:cs typeface="Times"/>
+                </a:endParaRPr>
+              </a:p>
+            </p:txBody>
+          </p:sp>
+          <p:sp>
+            <p:nvSpPr>
+              <p:cNvPr id="16" name="TextBox 15"/>
+              <p:cNvSpPr txBox="1"/>
+              <p:nvPr/>
+            </p:nvSpPr>
+            <p:spPr>
+              <a:xfrm>
+                <a:off x="6264887" y="5402324"/>
+                <a:ext cx="1151728" cy="461665"/>
+              </a:xfrm>
+              <a:prstGeom prst="rect">
+                <a:avLst/>
+              </a:prstGeom>
+              <a:noFill/>
+            </p:spPr>
+            <p:txBody>
+              <a:bodyPr wrap="none" rtlCol="0">
+                <a:spAutoFit/>
+              </a:bodyPr>
+              <a:lstStyle/>
+              <a:p>
+                <a:pPr algn="ctr"/>
+                <a:r>
+                  <a:rPr lang="en-US" sz="1200" dirty="0" smtClean="0">
+                    <a:latin typeface="Times"/>
+                    <a:cs typeface="Times"/>
+                  </a:rPr>
+                  <a:t>Strong</a:t>
+                </a:r>
+              </a:p>
+              <a:p>
+                <a:pPr algn="ctr"/>
+                <a:r>
+                  <a:rPr lang="en-US" sz="1200" dirty="0" smtClean="0">
+                    <a:latin typeface="Times"/>
+                    <a:cs typeface="Times"/>
+                  </a:rPr>
+                  <a:t>Negative Effect</a:t>
+                </a:r>
+                <a:endParaRPr lang="en-US" sz="1200" dirty="0">
+                  <a:latin typeface="Times"/>
+                  <a:cs typeface="Times"/>
+                </a:endParaRPr>
+              </a:p>
+            </p:txBody>
+          </p:sp>
+          <p:sp>
+            <p:nvSpPr>
+              <p:cNvPr id="17" name="TextBox 16"/>
+              <p:cNvSpPr txBox="1"/>
+              <p:nvPr/>
+            </p:nvSpPr>
+            <p:spPr>
+              <a:xfrm>
+                <a:off x="10375131" y="5401325"/>
+                <a:ext cx="1092216" cy="461665"/>
+              </a:xfrm>
+              <a:prstGeom prst="rect">
+                <a:avLst/>
+              </a:prstGeom>
+              <a:noFill/>
+            </p:spPr>
+            <p:txBody>
+              <a:bodyPr wrap="none" rtlCol="0">
+                <a:spAutoFit/>
+              </a:bodyPr>
+              <a:lstStyle/>
+              <a:p>
+                <a:pPr algn="ctr"/>
+                <a:r>
+                  <a:rPr lang="en-US" sz="1200" dirty="0" smtClean="0">
+                    <a:latin typeface="Times"/>
+                    <a:cs typeface="Times"/>
+                  </a:rPr>
+                  <a:t>Strong</a:t>
+                </a:r>
+              </a:p>
+              <a:p>
+                <a:pPr algn="ctr"/>
+                <a:r>
+                  <a:rPr lang="en-US" sz="1200" dirty="0" smtClean="0">
+                    <a:latin typeface="Times"/>
+                    <a:cs typeface="Times"/>
+                  </a:rPr>
+                  <a:t>Positive Effect</a:t>
+                </a:r>
+                <a:endParaRPr lang="en-US" sz="1200" dirty="0">
+                  <a:latin typeface="Times"/>
+                  <a:cs typeface="Times"/>
+                </a:endParaRPr>
+              </a:p>
+            </p:txBody>
+          </p:sp>
+          <p:cxnSp>
+            <p:nvCxnSpPr>
+              <p:cNvPr id="4" name="Straight Arrow Connector 3"/>
+              <p:cNvCxnSpPr/>
+              <p:nvPr/>
+            </p:nvCxnSpPr>
+            <p:spPr>
+              <a:xfrm>
+                <a:off x="1874287" y="5678511"/>
+                <a:ext cx="2737903" cy="0"/>
+              </a:xfrm>
+              <a:prstGeom prst="straightConnector1">
+                <a:avLst/>
+              </a:prstGeom>
+              <a:ln w="3175" cmpd="sng">
+                <a:solidFill>
+                  <a:schemeClr val="tx1"/>
+                </a:solidFill>
+                <a:headEnd type="arrow"/>
+                <a:tailEnd type="arrow"/>
+              </a:ln>
+              <a:effectLst/>
+            </p:spPr>
+            <p:style>
+              <a:lnRef idx="2">
+                <a:schemeClr val="accent1"/>
+              </a:lnRef>
+              <a:fillRef idx="0">
+                <a:schemeClr val="accent1"/>
+              </a:fillRef>
+              <a:effectRef idx="1">
+                <a:schemeClr val="accent1"/>
+              </a:effectRef>
+              <a:fontRef idx="minor">
+                <a:schemeClr val="tx1"/>
+              </a:fontRef>
+            </p:style>
+          </p:cxnSp>
+          <p:cxnSp>
+            <p:nvCxnSpPr>
+              <p:cNvPr id="18" name="Straight Arrow Connector 17"/>
+              <p:cNvCxnSpPr/>
+              <p:nvPr/>
+            </p:nvCxnSpPr>
+            <p:spPr>
+              <a:xfrm>
+                <a:off x="7493120" y="5678511"/>
+                <a:ext cx="2737903" cy="0"/>
+              </a:xfrm>
+              <a:prstGeom prst="straightConnector1">
+                <a:avLst/>
+              </a:prstGeom>
+              <a:ln w="3175" cmpd="sng">
+                <a:solidFill>
+                  <a:schemeClr val="tx1"/>
+                </a:solidFill>
+                <a:headEnd type="arrow"/>
+                <a:tailEnd type="arrow"/>
+              </a:ln>
+              <a:effectLst/>
+            </p:spPr>
+            <p:style>
+              <a:lnRef idx="2">
+                <a:schemeClr val="accent1"/>
+              </a:lnRef>
+              <a:fillRef idx="0">
+                <a:schemeClr val="accent1"/>
+              </a:fillRef>
+              <a:effectRef idx="1">
+                <a:schemeClr val="accent1"/>
+              </a:effectRef>
+              <a:fontRef idx="minor">
+                <a:schemeClr val="tx1"/>
+              </a:fontRef>
+            </p:style>
+          </p:cxnSp>
         </p:grpSp>
       </p:grpSp>
     </p:spTree>
